--- a/pptx/Bphi_projection_comparison_LHCB.pptx
+++ b/pptx/Bphi_projection_comparison_LHCB.pptx
@@ -113,6 +113,11 @@
       </a:defRPr>
     </a:lvl9pPr>
   </p:defaultTextStyle>
+  <p:extLst>
+    <p:ext uri="{EFAFB233-063F-42B5-8137-9DF3F51BA10A}">
+      <p15:sldGuideLst xmlns:p15="http://schemas.microsoft.com/office/powerpoint/2012/main"/>
+    </p:ext>
+  </p:extLst>
 </p:presentation>
 </file>
 
@@ -3856,7 +3861,7 @@
           <a:p>
             <a:r>
               <a:rPr lang="en-US" dirty="0"/>
-              <a:t>Nick took expected limit on number of events in 10% of the data and turned them into expected limits on BR(b </a:t>
+              <a:t>Nick took expected limit from Hardik on number of events in 10% of the data and turned them into expected limits on BR(b </a:t>
             </a:r>
             <a:r>
               <a:rPr lang="en-US" dirty="0">
@@ -3923,16 +3928,15 @@
           </p:cNvPicPr>
           <p:nvPr/>
         </p:nvPicPr>
-        <p:blipFill>
+        <p:blipFill rotWithShape="1">
           <a:blip r:embed="rId3"/>
-          <a:stretch>
-            <a:fillRect/>
-          </a:stretch>
+          <a:srcRect t="11947"/>
+          <a:stretch/>
         </p:blipFill>
         <p:spPr>
           <a:xfrm>
-            <a:off x="-103909" y="1445510"/>
-            <a:ext cx="12192000" cy="4860598"/>
+            <a:off x="0" y="2057399"/>
+            <a:ext cx="12192000" cy="4279881"/>
           </a:xfrm>
           <a:prstGeom prst="rect">
             <a:avLst/>
@@ -5515,7 +5519,7 @@
             <a:pPr lvl="1"/>
             <a:r>
               <a:rPr lang="en-US" dirty="0"/>
-              <a:t>Scaled by sqrt(10) in going from 10% of data to </a:t>
+              <a:t>Scaled by sqrt(10) in going from 10% to 100% of data</a:t>
             </a:r>
           </a:p>
           <a:p>
